--- a/object-detection/YOLOv3_M2019170.pptx
+++ b/object-detection/YOLOv3_M2019170.pptx
@@ -115,6 +115,11 @@
       </a:defRPr>
     </a:lvl9pPr>
   </p:defaultTextStyle>
+  <p:extLst>
+    <p:ext uri="{EFAFB233-063F-42B5-8137-9DF3F51BA10A}">
+      <p15:sldGuideLst xmlns:p15="http://schemas.microsoft.com/office/powerpoint/2012/main"/>
+    </p:ext>
+  </p:extLst>
 </p:presentation>
 </file>
 
@@ -200,7 +205,7 @@
           <a:p>
             <a:fld id="{19688B1B-FC13-F04F-9482-5EFE64A5A729}" type="datetimeFigureOut">
               <a:rPr kumimoji="1" lang="ko-KR" altLang="en-US" smtClean="0"/>
-              <a:t>2019. 6. 5.</a:t>
+              <a:t>2019. 9. 28.</a:t>
             </a:fld>
             <a:endParaRPr kumimoji="1" lang="ko-KR" altLang="en-US"/>
           </a:p>
@@ -698,7 +703,7 @@
           <a:p>
             <a:fld id="{6465E00D-8C7D-C642-B977-02C8132FB0D2}" type="datetimeFigureOut">
               <a:rPr kumimoji="1" lang="ko-KR" altLang="en-US" smtClean="0"/>
-              <a:t>2019. 6. 5.</a:t>
+              <a:t>2019. 9. 28.</a:t>
             </a:fld>
             <a:endParaRPr kumimoji="1" lang="ko-KR" altLang="en-US"/>
           </a:p>
@@ -896,7 +901,7 @@
           <a:p>
             <a:fld id="{6465E00D-8C7D-C642-B977-02C8132FB0D2}" type="datetimeFigureOut">
               <a:rPr kumimoji="1" lang="ko-KR" altLang="en-US" smtClean="0"/>
-              <a:t>2019. 6. 5.</a:t>
+              <a:t>2019. 9. 28.</a:t>
             </a:fld>
             <a:endParaRPr kumimoji="1" lang="ko-KR" altLang="en-US"/>
           </a:p>
@@ -1104,7 +1109,7 @@
           <a:p>
             <a:fld id="{6465E00D-8C7D-C642-B977-02C8132FB0D2}" type="datetimeFigureOut">
               <a:rPr kumimoji="1" lang="ko-KR" altLang="en-US" smtClean="0"/>
-              <a:t>2019. 6. 5.</a:t>
+              <a:t>2019. 9. 28.</a:t>
             </a:fld>
             <a:endParaRPr kumimoji="1" lang="ko-KR" altLang="en-US"/>
           </a:p>
@@ -1302,7 +1307,7 @@
           <a:p>
             <a:fld id="{6465E00D-8C7D-C642-B977-02C8132FB0D2}" type="datetimeFigureOut">
               <a:rPr kumimoji="1" lang="ko-KR" altLang="en-US" smtClean="0"/>
-              <a:t>2019. 6. 5.</a:t>
+              <a:t>2019. 9. 28.</a:t>
             </a:fld>
             <a:endParaRPr kumimoji="1" lang="ko-KR" altLang="en-US"/>
           </a:p>
@@ -1577,7 +1582,7 @@
           <a:p>
             <a:fld id="{6465E00D-8C7D-C642-B977-02C8132FB0D2}" type="datetimeFigureOut">
               <a:rPr kumimoji="1" lang="ko-KR" altLang="en-US" smtClean="0"/>
-              <a:t>2019. 6. 5.</a:t>
+              <a:t>2019. 9. 28.</a:t>
             </a:fld>
             <a:endParaRPr kumimoji="1" lang="ko-KR" altLang="en-US"/>
           </a:p>
@@ -1842,7 +1847,7 @@
           <a:p>
             <a:fld id="{6465E00D-8C7D-C642-B977-02C8132FB0D2}" type="datetimeFigureOut">
               <a:rPr kumimoji="1" lang="ko-KR" altLang="en-US" smtClean="0"/>
-              <a:t>2019. 6. 5.</a:t>
+              <a:t>2019. 9. 28.</a:t>
             </a:fld>
             <a:endParaRPr kumimoji="1" lang="ko-KR" altLang="en-US"/>
           </a:p>
@@ -2254,7 +2259,7 @@
           <a:p>
             <a:fld id="{6465E00D-8C7D-C642-B977-02C8132FB0D2}" type="datetimeFigureOut">
               <a:rPr kumimoji="1" lang="ko-KR" altLang="en-US" smtClean="0"/>
-              <a:t>2019. 6. 5.</a:t>
+              <a:t>2019. 9. 28.</a:t>
             </a:fld>
             <a:endParaRPr kumimoji="1" lang="ko-KR" altLang="en-US"/>
           </a:p>
@@ -2395,7 +2400,7 @@
           <a:p>
             <a:fld id="{6465E00D-8C7D-C642-B977-02C8132FB0D2}" type="datetimeFigureOut">
               <a:rPr kumimoji="1" lang="ko-KR" altLang="en-US" smtClean="0"/>
-              <a:t>2019. 6. 5.</a:t>
+              <a:t>2019. 9. 28.</a:t>
             </a:fld>
             <a:endParaRPr kumimoji="1" lang="ko-KR" altLang="en-US"/>
           </a:p>
@@ -2508,7 +2513,7 @@
           <a:p>
             <a:fld id="{6465E00D-8C7D-C642-B977-02C8132FB0D2}" type="datetimeFigureOut">
               <a:rPr kumimoji="1" lang="ko-KR" altLang="en-US" smtClean="0"/>
-              <a:t>2019. 6. 5.</a:t>
+              <a:t>2019. 9. 28.</a:t>
             </a:fld>
             <a:endParaRPr kumimoji="1" lang="ko-KR" altLang="en-US"/>
           </a:p>
@@ -2819,7 +2824,7 @@
           <a:p>
             <a:fld id="{6465E00D-8C7D-C642-B977-02C8132FB0D2}" type="datetimeFigureOut">
               <a:rPr kumimoji="1" lang="ko-KR" altLang="en-US" smtClean="0"/>
-              <a:t>2019. 6. 5.</a:t>
+              <a:t>2019. 9. 28.</a:t>
             </a:fld>
             <a:endParaRPr kumimoji="1" lang="ko-KR" altLang="en-US"/>
           </a:p>
@@ -3107,7 +3112,7 @@
           <a:p>
             <a:fld id="{6465E00D-8C7D-C642-B977-02C8132FB0D2}" type="datetimeFigureOut">
               <a:rPr kumimoji="1" lang="ko-KR" altLang="en-US" smtClean="0"/>
-              <a:t>2019. 6. 5.</a:t>
+              <a:t>2019. 9. 28.</a:t>
             </a:fld>
             <a:endParaRPr kumimoji="1" lang="ko-KR" altLang="en-US"/>
           </a:p>
@@ -3348,7 +3353,7 @@
           <a:p>
             <a:fld id="{6465E00D-8C7D-C642-B977-02C8132FB0D2}" type="datetimeFigureOut">
               <a:rPr kumimoji="1" lang="ko-KR" altLang="en-US" smtClean="0"/>
-              <a:t>2019. 6. 5.</a:t>
+              <a:t>2019. 9. 28.</a:t>
             </a:fld>
             <a:endParaRPr kumimoji="1" lang="ko-KR" altLang="en-US"/>
           </a:p>
@@ -4520,7 +4525,11 @@
           <a:p>
             <a:r>
               <a:rPr lang="en-US" altLang="ko-KR" sz="2200" dirty="0"/>
-              <a:t> tensor size : N x N x [3 x 5 + 80]</a:t>
+              <a:t> tensor size : N x N x [3 </a:t>
+            </a:r>
+            <a:r>
+              <a:rPr lang="en-US" altLang="ko-KR" sz="2200"/>
+              <a:t>x (5 + 80)]</a:t>
             </a:r>
             <a:endParaRPr lang="ko-KR" altLang="en-US" sz="2200" dirty="0"/>
           </a:p>
